--- a/ansible/slides/assembly.out/02__ansible-basic.pptx
+++ b/ansible/slides/assembly.out/02__ansible-basic.pptx
@@ -2388,7 +2388,7 @@
                   <a:srgbClr val="000000"/>
                 </a:solidFill>
               </a:rPr>
-              <a:t>Copyright © 2023 by Elephant Scale, All Rights Reserved</a:t>
+              <a:t>Copyright © 2024 by Elephant Scale, All Rights Reserved</a:t>
             </a:r>
           </a:p>
         </p:txBody>
@@ -2485,7 +2485,7 @@
                   <a:srgbClr val="000000"/>
                 </a:solidFill>
               </a:rPr>
-              <a:t>Copyright © 2023 by Elephant Scale, All Rights Reserved</a:t>
+              <a:t>Copyright © 2024 by Elephant Scale, All Rights Reserved</a:t>
             </a:r>
           </a:p>
         </p:txBody>
@@ -2613,7 +2613,7 @@
                   <a:srgbClr val="000000"/>
                 </a:solidFill>
               </a:rPr>
-              <a:t>Copyright © 2023 by Elephant Scale, All Rights Reserved</a:t>
+              <a:t>Copyright © 2024 by Elephant Scale, All Rights Reserved</a:t>
             </a:r>
           </a:p>
         </p:txBody>
@@ -2736,7 +2736,7 @@
                   <a:srgbClr val="000000"/>
                 </a:solidFill>
               </a:rPr>
-              <a:t>Copyright © 2023 by Elephant Scale, All Rights Reserved</a:t>
+              <a:t>Copyright © 2024 by Elephant Scale, All Rights Reserved</a:t>
             </a:r>
           </a:p>
         </p:txBody>
@@ -3519,7 +3519,7 @@
                   <a:srgbClr val="000000"/>
                 </a:solidFill>
               </a:rPr>
-              <a:t>Copyright © 2023 by Elephant Scale, All Rights Reserved</a:t>
+              <a:t>Copyright © 2024 by Elephant Scale, All Rights Reserved</a:t>
             </a:r>
           </a:p>
         </p:txBody>
@@ -3626,7 +3626,7 @@
                   <a:srgbClr val="000000"/>
                 </a:solidFill>
               </a:rPr>
-              <a:t>Copyright © 2023 by Elephant Scale, All Rights Reserved</a:t>
+              <a:t>Copyright © 2024 by Elephant Scale, All Rights Reserved</a:t>
             </a:r>
           </a:p>
         </p:txBody>
@@ -3648,7 +3648,7 @@
         <p:spPr>
           <a:xfrm>
             <a:off x="0" y="2231136"/>
-            <a:ext cx="4826000" cy="3187700"/>
+            <a:ext cx="4838700" cy="3187700"/>
           </a:xfrm>
           <a:prstGeom prst="rect">
             <a:avLst/>
@@ -3777,7 +3777,7 @@
                   <a:srgbClr val="000000"/>
                 </a:solidFill>
               </a:rPr>
-              <a:t>Copyright © 2023 by Elephant Scale, All Rights Reserved</a:t>
+              <a:t>Copyright © 2024 by Elephant Scale, All Rights Reserved</a:t>
             </a:r>
           </a:p>
         </p:txBody>
@@ -3926,7 +3926,7 @@
                   <a:srgbClr val="000000"/>
                 </a:solidFill>
               </a:rPr>
-              <a:t>Copyright © 2023 by Elephant Scale, All Rights Reserved</a:t>
+              <a:t>Copyright © 2024 by Elephant Scale, All Rights Reserved</a:t>
             </a:r>
           </a:p>
         </p:txBody>
@@ -4043,7 +4043,7 @@
                   <a:srgbClr val="000000"/>
                 </a:solidFill>
               </a:rPr>
-              <a:t>Copyright © 2023 by Elephant Scale, All Rights Reserved</a:t>
+              <a:t>Copyright © 2024 by Elephant Scale, All Rights Reserved</a:t>
             </a:r>
           </a:p>
         </p:txBody>
@@ -4065,7 +4065,7 @@
         <p:spPr>
           <a:xfrm>
             <a:off x="0" y="914400"/>
-            <a:ext cx="9093200" cy="3454400"/>
+            <a:ext cx="9118600" cy="3454400"/>
           </a:xfrm>
           <a:prstGeom prst="rect">
             <a:avLst/>
@@ -4189,7 +4189,7 @@
                   <a:srgbClr val="000000"/>
                 </a:solidFill>
               </a:rPr>
-              <a:t>Copyright © 2023 by Elephant Scale, All Rights Reserved</a:t>
+              <a:t>Copyright © 2024 by Elephant Scale, All Rights Reserved</a:t>
             </a:r>
           </a:p>
         </p:txBody>
@@ -4323,7 +4323,7 @@
                   <a:srgbClr val="000000"/>
                 </a:solidFill>
               </a:rPr>
-              <a:t>Copyright © 2023 by Elephant Scale, All Rights Reserved</a:t>
+              <a:t>Copyright © 2024 by Elephant Scale, All Rights Reserved</a:t>
             </a:r>
           </a:p>
         </p:txBody>
@@ -4460,7 +4460,7 @@
                   <a:srgbClr val="000000"/>
                 </a:solidFill>
               </a:rPr>
-              <a:t>Copyright © 2023 by Elephant Scale, All Rights Reserved</a:t>
+              <a:t>Copyright © 2024 by Elephant Scale, All Rights Reserved</a:t>
             </a:r>
           </a:p>
         </p:txBody>
@@ -4581,7 +4581,7 @@
                   <a:srgbClr val="000000"/>
                 </a:solidFill>
               </a:rPr>
-              <a:t>Copyright © 2023 by Elephant Scale, All Rights Reserved</a:t>
+              <a:t>Copyright © 2024 by Elephant Scale, All Rights Reserved</a:t>
             </a:r>
           </a:p>
         </p:txBody>
@@ -4685,7 +4685,7 @@
                   <a:srgbClr val="000000"/>
                 </a:solidFill>
               </a:rPr>
-              <a:t>Copyright © 2023 by Elephant Scale, All Rights Reserved</a:t>
+              <a:t>Copyright © 2024 by Elephant Scale, All Rights Reserved</a:t>
             </a:r>
           </a:p>
         </p:txBody>
@@ -4844,7 +4844,7 @@
                   <a:srgbClr val="000000"/>
                 </a:solidFill>
               </a:rPr>
-              <a:t>Copyright © 2023 by Elephant Scale, All Rights Reserved</a:t>
+              <a:t>Copyright © 2024 by Elephant Scale, All Rights Reserved</a:t>
             </a:r>
           </a:p>
         </p:txBody>
@@ -4978,7 +4978,7 @@
                   <a:srgbClr val="000000"/>
                 </a:solidFill>
               </a:rPr>
-              <a:t>Copyright © 2023 by Elephant Scale, All Rights Reserved</a:t>
+              <a:t>Copyright © 2024 by Elephant Scale, All Rights Reserved</a:t>
             </a:r>
           </a:p>
         </p:txBody>
@@ -5142,7 +5142,7 @@
                   <a:srgbClr val="000000"/>
                 </a:solidFill>
               </a:rPr>
-              <a:t>Copyright © 2023 by Elephant Scale, All Rights Reserved</a:t>
+              <a:t>Copyright © 2024 by Elephant Scale, All Rights Reserved</a:t>
             </a:r>
           </a:p>
         </p:txBody>
@@ -5231,7 +5231,7 @@
                   <a:srgbClr val="000000"/>
                 </a:solidFill>
               </a:rPr>
-              <a:t>Copyright © 2023 by Elephant Scale, All Rights Reserved</a:t>
+              <a:t>Copyright © 2024 by Elephant Scale, All Rights Reserved</a:t>
             </a:r>
           </a:p>
         </p:txBody>
@@ -5390,7 +5390,7 @@
                   <a:srgbClr val="000000"/>
                 </a:solidFill>
               </a:rPr>
-              <a:t>Copyright © 2023 by Elephant Scale, All Rights Reserved</a:t>
+              <a:t>Copyright © 2024 by Elephant Scale, All Rights Reserved</a:t>
             </a:r>
           </a:p>
         </p:txBody>
@@ -5548,7 +5548,7 @@
                   <a:srgbClr val="000000"/>
                 </a:solidFill>
               </a:rPr>
-              <a:t>Copyright © 2023 by Elephant Scale, All Rights Reserved</a:t>
+              <a:t>Copyright © 2024 by Elephant Scale, All Rights Reserved</a:t>
             </a:r>
           </a:p>
         </p:txBody>
@@ -5706,7 +5706,7 @@
                   <a:srgbClr val="000000"/>
                 </a:solidFill>
               </a:rPr>
-              <a:t>Copyright © 2023 by Elephant Scale, All Rights Reserved</a:t>
+              <a:t>Copyright © 2024 by Elephant Scale, All Rights Reserved</a:t>
             </a:r>
           </a:p>
         </p:txBody>
@@ -5814,7 +5814,7 @@
                   <a:srgbClr val="000000"/>
                 </a:solidFill>
               </a:rPr>
-              <a:t>Copyright © 2023 by Elephant Scale, All Rights Reserved</a:t>
+              <a:t>Copyright © 2024 by Elephant Scale, All Rights Reserved</a:t>
             </a:r>
           </a:p>
         </p:txBody>
@@ -5947,7 +5947,7 @@
                   <a:srgbClr val="000000"/>
                 </a:solidFill>
               </a:rPr>
-              <a:t>Copyright © 2023 by Elephant Scale, All Rights Reserved</a:t>
+              <a:t>Copyright © 2024 by Elephant Scale, All Rights Reserved</a:t>
             </a:r>
           </a:p>
         </p:txBody>
@@ -6064,7 +6064,7 @@
                   <a:srgbClr val="000000"/>
                 </a:solidFill>
               </a:rPr>
-              <a:t>Copyright © 2023 by Elephant Scale, All Rights Reserved</a:t>
+              <a:t>Copyright © 2024 by Elephant Scale, All Rights Reserved</a:t>
             </a:r>
           </a:p>
         </p:txBody>
@@ -6222,7 +6222,7 @@
                   <a:srgbClr val="000000"/>
                 </a:solidFill>
               </a:rPr>
-              <a:t>Copyright © 2023 by Elephant Scale, All Rights Reserved</a:t>
+              <a:t>Copyright © 2024 by Elephant Scale, All Rights Reserved</a:t>
             </a:r>
           </a:p>
         </p:txBody>
@@ -6380,7 +6380,7 @@
                   <a:srgbClr val="000000"/>
                 </a:solidFill>
               </a:rPr>
-              <a:t>Copyright © 2023 by Elephant Scale, All Rights Reserved</a:t>
+              <a:t>Copyright © 2024 by Elephant Scale, All Rights Reserved</a:t>
             </a:r>
           </a:p>
         </p:txBody>
